--- a/Documentation/Project Presentation.pptx
+++ b/Documentation/Project Presentation.pptx
@@ -15115,7 +15115,7 @@
         <p:spPr>
           <a:xfrm>
             <a:off x="397485" y="1642016"/>
-            <a:ext cx="8349029" cy="4708941"/>
+            <a:ext cx="8349029" cy="5016718"/>
           </a:xfrm>
           <a:prstGeom prst="rect">
             <a:avLst/>
@@ -15173,8 +15173,84 @@
                 <a:ea typeface="Calibri"/>
                 <a:cs typeface="Calibri"/>
                 <a:sym typeface="Calibri"/>
+                <a:hlinkClick r:id="rId3"/>
               </a:rPr>
-              <a:t>Sites with players statistics and Wikipedia page of players for a brief description.</a:t>
+              <a:t>Wikipedia</a:t>
+            </a:r>
+            <a:r>
+              <a:rPr lang="en-US" sz="2000" dirty="0">
+                <a:solidFill>
+                  <a:schemeClr val="tx1"/>
+                </a:solidFill>
+                <a:latin typeface="Calibri"/>
+                <a:ea typeface="Calibri"/>
+                <a:cs typeface="Calibri"/>
+                <a:sym typeface="Calibri"/>
+              </a:rPr>
+              <a:t> – </a:t>
+            </a:r>
+            <a:r>
+              <a:rPr lang="en-US" sz="2000" dirty="0">
+                <a:solidFill>
+                  <a:schemeClr val="tx1"/>
+                </a:solidFill>
+                <a:latin typeface="Calibri"/>
+                <a:ea typeface="Calibri"/>
+                <a:cs typeface="Calibri"/>
+                <a:sym typeface="Calibri"/>
+                <a:hlinkClick r:id="rId4"/>
+              </a:rPr>
+              <a:t>Understats</a:t>
+            </a:r>
+            <a:r>
+              <a:rPr lang="en-US" sz="2000" dirty="0">
+                <a:solidFill>
+                  <a:schemeClr val="tx1"/>
+                </a:solidFill>
+                <a:latin typeface="Calibri"/>
+                <a:ea typeface="Calibri"/>
+                <a:cs typeface="Calibri"/>
+                <a:sym typeface="Calibri"/>
+              </a:rPr>
+              <a:t> – </a:t>
+            </a:r>
+            <a:r>
+              <a:rPr lang="en-US" sz="2000" dirty="0">
+                <a:solidFill>
+                  <a:schemeClr val="tx1"/>
+                </a:solidFill>
+                <a:latin typeface="Calibri"/>
+                <a:ea typeface="Calibri"/>
+                <a:cs typeface="Calibri"/>
+                <a:sym typeface="Calibri"/>
+                <a:hlinkClick r:id="rId5"/>
+              </a:rPr>
+              <a:t>Kickest</a:t>
+            </a:r>
+            <a:r>
+              <a:rPr lang="en-US" sz="2000" dirty="0">
+                <a:solidFill>
+                  <a:schemeClr val="tx1"/>
+                </a:solidFill>
+                <a:latin typeface="Calibri"/>
+                <a:ea typeface="Calibri"/>
+                <a:cs typeface="Calibri"/>
+                <a:sym typeface="Calibri"/>
+              </a:rPr>
+              <a:t> - </a:t>
+            </a:r>
+            <a:r>
+              <a:rPr lang="en-US" sz="2000" dirty="0" err="1">
+                <a:solidFill>
+                  <a:schemeClr val="tx1"/>
+                </a:solidFill>
+                <a:latin typeface="Calibri"/>
+                <a:ea typeface="Calibri"/>
+                <a:cs typeface="Calibri"/>
+                <a:sym typeface="Calibri"/>
+                <a:hlinkClick r:id="rId6"/>
+              </a:rPr>
+              <a:t>APIFootball</a:t>
             </a:r>
             <a:endParaRPr dirty="0">
               <a:solidFill>
@@ -15246,9 +15322,32 @@
                 <a:cs typeface="Calibri"/>
                 <a:sym typeface="Calibri"/>
               </a:rPr>
-              <a:t> about players.</a:t>
+              <a:t> about players retrieved by scraping. Users’ </a:t>
             </a:r>
-            <a:endParaRPr dirty="0"/>
+            <a:r>
+              <a:rPr lang="en-US" sz="2000" dirty="0" err="1">
+                <a:solidFill>
+                  <a:schemeClr val="dk1"/>
+                </a:solidFill>
+                <a:latin typeface="Calibri"/>
+                <a:ea typeface="Calibri"/>
+                <a:cs typeface="Calibri"/>
+                <a:sym typeface="Calibri"/>
+              </a:rPr>
+              <a:t>informations</a:t>
+            </a:r>
+            <a:r>
+              <a:rPr lang="en-US" sz="2000" dirty="0">
+                <a:solidFill>
+                  <a:schemeClr val="dk1"/>
+                </a:solidFill>
+                <a:latin typeface="Calibri"/>
+                <a:ea typeface="Calibri"/>
+                <a:cs typeface="Calibri"/>
+                <a:sym typeface="Calibri"/>
+              </a:rPr>
+              <a:t> and trade offers are randomly generated.</a:t>
+            </a:r>
           </a:p>
           <a:p>
             <a:pPr marL="0" marR="0" lvl="0" indent="0" algn="l" rtl="0">
@@ -15328,21 +15427,6 @@
               </a:rPr>
               <a:t>. Every week the admin will add the rating of the week for every player.</a:t>
             </a:r>
-            <a:endParaRPr sz="2000" dirty="0">
-              <a:latin typeface="Calibri" panose="020F0502020204030204" pitchFamily="34" charset="0"/>
-              <a:cs typeface="Calibri" panose="020F0502020204030204" pitchFamily="34" charset="0"/>
-            </a:endParaRPr>
-          </a:p>
-          <a:p>
-            <a:pPr marL="0" marR="0" lvl="0" indent="0" algn="l" rtl="0">
-              <a:spcBef>
-                <a:spcPts val="0"/>
-              </a:spcBef>
-              <a:spcAft>
-                <a:spcPts val="0"/>
-              </a:spcAft>
-              <a:buNone/>
-            </a:pPr>
             <a:endParaRPr sz="2000" b="1" i="1" dirty="0">
               <a:solidFill>
                 <a:schemeClr val="dk1"/>
@@ -15363,6 +15447,26 @@
               </a:spcAft>
               <a:buNone/>
             </a:pPr>
+            <a:endParaRPr lang="en-US" sz="2000" b="1" i="1" dirty="0">
+              <a:solidFill>
+                <a:schemeClr val="dk1"/>
+              </a:solidFill>
+              <a:latin typeface="Calibri" panose="020F0502020204030204" pitchFamily="34" charset="0"/>
+              <a:ea typeface="Calibri"/>
+              <a:cs typeface="Calibri" panose="020F0502020204030204" pitchFamily="34" charset="0"/>
+              <a:sym typeface="Calibri"/>
+            </a:endParaRPr>
+          </a:p>
+          <a:p>
+            <a:pPr marL="0" marR="0" lvl="0" indent="0" algn="l" rtl="0">
+              <a:spcBef>
+                <a:spcPts val="0"/>
+              </a:spcBef>
+              <a:spcAft>
+                <a:spcPts val="0"/>
+              </a:spcAft>
+              <a:buNone/>
+            </a:pPr>
             <a:r>
               <a:rPr lang="en-US" sz="2000" b="1" i="1" dirty="0">
                 <a:solidFill>
@@ -15385,7 +15489,19 @@
                 <a:cs typeface="Calibri" panose="020F0502020204030204" pitchFamily="34" charset="0"/>
                 <a:sym typeface="Calibri"/>
               </a:rPr>
-              <a:t>: Statistics and rating of players retrieved from different sites.</a:t>
+              <a:t>: Statistics and rating of players retrieved from different sites. </a:t>
+            </a:r>
+            <a:r>
+              <a:rPr lang="en-US" sz="2000" dirty="0">
+                <a:solidFill>
+                  <a:schemeClr val="tx1"/>
+                </a:solidFill>
+                <a:latin typeface="Calibri"/>
+                <a:ea typeface="Calibri"/>
+                <a:cs typeface="Calibri"/>
+                <a:sym typeface="Calibri"/>
+              </a:rPr>
+              <a:t>Wikipedia page of players used for retrieve a brief description of him. </a:t>
             </a:r>
             <a:endParaRPr sz="2000" dirty="0">
               <a:latin typeface="Calibri" panose="020F0502020204030204" pitchFamily="34" charset="0"/>
@@ -18075,7 +18191,7 @@
         <p:spPr>
           <a:xfrm>
             <a:off x="763924" y="1524434"/>
-            <a:ext cx="8180614" cy="1692731"/>
+            <a:ext cx="8180614" cy="1200288"/>
           </a:xfrm>
           <a:prstGeom prst="rect">
             <a:avLst/>
@@ -18147,6 +18263,51 @@
               <a:buChar char="•"/>
             </a:pPr>
             <a:r>
+              <a:rPr lang="en-US" sz="1800" dirty="0">
+                <a:solidFill>
+                  <a:schemeClr val="dk1"/>
+                </a:solidFill>
+                <a:latin typeface="Calibri"/>
+                <a:cs typeface="Calibri"/>
+                <a:sym typeface="Calibri"/>
+              </a:rPr>
+              <a:t>Scraping script written in </a:t>
+            </a:r>
+            <a:r>
+              <a:rPr lang="en-US" sz="1800" i="1" dirty="0">
+                <a:solidFill>
+                  <a:schemeClr val="dk1"/>
+                </a:solidFill>
+                <a:latin typeface="Calibri"/>
+                <a:cs typeface="Calibri"/>
+                <a:sym typeface="Calibri"/>
+              </a:rPr>
+              <a:t>Python</a:t>
+            </a:r>
+            <a:r>
+              <a:rPr lang="en-US" sz="1800" dirty="0">
+                <a:solidFill>
+                  <a:schemeClr val="dk1"/>
+                </a:solidFill>
+                <a:latin typeface="Calibri"/>
+                <a:cs typeface="Calibri"/>
+                <a:sym typeface="Calibri"/>
+              </a:rPr>
+              <a:t>.</a:t>
+            </a:r>
+          </a:p>
+          <a:p>
+            <a:pPr marL="285750" marR="0" lvl="0" indent="-285750" algn="l" rtl="0">
+              <a:spcBef>
+                <a:spcPts val="0"/>
+              </a:spcBef>
+              <a:spcAft>
+                <a:spcPts val="0"/>
+              </a:spcAft>
+              <a:buFont typeface="Arial" panose="020B0604020202020204" pitchFamily="34" charset="0"/>
+              <a:buChar char="•"/>
+            </a:pPr>
+            <a:r>
               <a:rPr lang="en-US" sz="1800" i="1" dirty="0">
                 <a:solidFill>
                   <a:schemeClr val="dk1"/>
@@ -18235,129 +18396,6 @@
               </a:rPr>
               <a:t> library.</a:t>
             </a:r>
-          </a:p>
-          <a:p>
-            <a:pPr marL="285750" marR="0" lvl="0" indent="-285750" algn="l" rtl="0">
-              <a:spcBef>
-                <a:spcPts val="0"/>
-              </a:spcBef>
-              <a:spcAft>
-                <a:spcPts val="0"/>
-              </a:spcAft>
-              <a:buFont typeface="Arial" panose="020B0604020202020204" pitchFamily="34" charset="0"/>
-              <a:buChar char="•"/>
-            </a:pPr>
-            <a:r>
-              <a:rPr lang="en-US" sz="1800" dirty="0">
-                <a:solidFill>
-                  <a:schemeClr val="dk1"/>
-                </a:solidFill>
-                <a:latin typeface="Calibri"/>
-                <a:cs typeface="Calibri"/>
-                <a:sym typeface="Calibri"/>
-              </a:rPr>
-              <a:t>All information are stored as </a:t>
-            </a:r>
-            <a:r>
-              <a:rPr lang="en-US" sz="1800" dirty="0" err="1">
-                <a:solidFill>
-                  <a:schemeClr val="dk1"/>
-                </a:solidFill>
-                <a:latin typeface="Calibri"/>
-                <a:cs typeface="Calibri"/>
-                <a:sym typeface="Calibri"/>
-              </a:rPr>
-              <a:t>json</a:t>
-            </a:r>
-            <a:r>
-              <a:rPr lang="en-US" sz="1800" dirty="0">
-                <a:solidFill>
-                  <a:schemeClr val="dk1"/>
-                </a:solidFill>
-                <a:latin typeface="Calibri"/>
-                <a:cs typeface="Calibri"/>
-                <a:sym typeface="Calibri"/>
-              </a:rPr>
-              <a:t> object except for the quantity of a card owned by a user (</a:t>
-            </a:r>
-            <a:r>
-              <a:rPr lang="en-US" sz="1800" dirty="0" err="1">
-                <a:solidFill>
-                  <a:schemeClr val="dk1"/>
-                </a:solidFill>
-                <a:latin typeface="Calibri"/>
-                <a:cs typeface="Calibri"/>
-                <a:sym typeface="Calibri"/>
-              </a:rPr>
-              <a:t>KeyValue</a:t>
-            </a:r>
-            <a:r>
-              <a:rPr lang="en-US" sz="1800" dirty="0">
-                <a:solidFill>
-                  <a:schemeClr val="dk1"/>
-                </a:solidFill>
-                <a:latin typeface="Calibri"/>
-                <a:cs typeface="Calibri"/>
-                <a:sym typeface="Calibri"/>
-              </a:rPr>
-              <a:t> = </a:t>
-            </a:r>
-            <a:r>
-              <a:rPr lang="en-US" sz="1800" i="1" dirty="0" err="1">
-                <a:solidFill>
-                  <a:schemeClr val="dk1"/>
-                </a:solidFill>
-                <a:latin typeface="Calibri"/>
-                <a:cs typeface="Calibri"/>
-                <a:sym typeface="Calibri"/>
-              </a:rPr>
-              <a:t>user_id</a:t>
-            </a:r>
-            <a:r>
-              <a:rPr lang="en-US" sz="1800" i="1" dirty="0">
-                <a:solidFill>
-                  <a:schemeClr val="dk1"/>
-                </a:solidFill>
-                <a:latin typeface="Calibri"/>
-                <a:cs typeface="Calibri"/>
-                <a:sym typeface="Calibri"/>
-              </a:rPr>
-              <a:t>::</a:t>
-            </a:r>
-            <a:r>
-              <a:rPr lang="en-US" sz="1800" i="1" dirty="0" err="1">
-                <a:solidFill>
-                  <a:schemeClr val="dk1"/>
-                </a:solidFill>
-                <a:latin typeface="Calibri"/>
-                <a:cs typeface="Calibri"/>
-                <a:sym typeface="Calibri"/>
-              </a:rPr>
-              <a:t>player_id</a:t>
-            </a:r>
-            <a:r>
-              <a:rPr lang="en-US" sz="1800" dirty="0">
-                <a:solidFill>
-                  <a:schemeClr val="dk1"/>
-                </a:solidFill>
-                <a:latin typeface="Calibri"/>
-                <a:cs typeface="Calibri"/>
-                <a:sym typeface="Calibri"/>
-              </a:rPr>
-              <a:t>)</a:t>
-            </a:r>
-          </a:p>
-          <a:p>
-            <a:pPr marL="0" marR="0" lvl="0" indent="0" algn="l" rtl="0">
-              <a:spcBef>
-                <a:spcPts val="0"/>
-              </a:spcBef>
-              <a:spcAft>
-                <a:spcPts val="0"/>
-              </a:spcAft>
-              <a:buNone/>
-            </a:pPr>
-            <a:endParaRPr dirty="0"/>
           </a:p>
         </p:txBody>
       </p:sp>

--- a/Documentation/Project Presentation.pptx
+++ b/Documentation/Project Presentation.pptx
@@ -16952,7 +16952,33 @@
                 <a:ea typeface="+mn-ea"/>
                 <a:cs typeface="+mn-cs"/>
               </a:rPr>
-              <a:t>Best users ranking. (Globally or by country)</a:t>
+              <a:t>Best users ranking. (Globally or by </a:t>
+            </a:r>
+            <a:r>
+              <a:rPr lang="en-US" dirty="0">
+                <a:solidFill>
+                  <a:sysClr val="windowText" lastClr="000000"/>
+                </a:solidFill>
+                <a:latin typeface="Calibri"/>
+              </a:rPr>
+              <a:t>region</a:t>
+            </a:r>
+            <a:r>
+              <a:rPr kumimoji="0" lang="en-US" sz="1800" b="0" i="0" u="none" strike="noStrike" kern="1200" cap="none" spc="0" normalizeH="0" baseline="0" noProof="0" dirty="0">
+                <a:ln>
+                  <a:noFill/>
+                </a:ln>
+                <a:solidFill>
+                  <a:sysClr val="windowText" lastClr="000000"/>
+                </a:solidFill>
+                <a:effectLst/>
+                <a:uLnTx/>
+                <a:uFillTx/>
+                <a:latin typeface="Calibri"/>
+                <a:ea typeface="+mn-ea"/>
+                <a:cs typeface="+mn-cs"/>
+              </a:rPr>
+              <a:t>)</a:t>
             </a:r>
           </a:p>
           <a:p>
@@ -17450,7 +17476,7 @@
                 </a:solidFill>
                 <a:latin typeface="Calibri"/>
               </a:rPr>
-              <a:t>:name</a:t>
+              <a:t>:’name’</a:t>
             </a:r>
             <a:endParaRPr kumimoji="0" lang="it-IT" sz="1800" b="0" i="0" u="none" strike="noStrike" kern="1200" cap="none" spc="0" normalizeH="0" baseline="0" noProof="0" dirty="0">
               <a:ln>
@@ -17533,7 +17559,7 @@
                 </a:solidFill>
                 <a:latin typeface="Calibri"/>
               </a:rPr>
-              <a:t>:</a:t>
+              <a:t>:’</a:t>
             </a:r>
             <a:r>
               <a:rPr lang="it-IT" i="1" dirty="0" err="1">
@@ -17559,7 +17585,7 @@
                 <a:ea typeface="+mn-ea"/>
                 <a:cs typeface="+mn-cs"/>
               </a:rPr>
-              <a:t>	</a:t>
+              <a:t>‘</a:t>
             </a:r>
           </a:p>
           <a:p>
@@ -17628,7 +17654,7 @@
                 </a:solidFill>
                 <a:latin typeface="Calibri"/>
               </a:rPr>
-              <a:t>:</a:t>
+              <a:t>:’</a:t>
             </a:r>
             <a:r>
               <a:rPr lang="it-IT" i="1" dirty="0" err="1">
@@ -17638,6 +17664,15 @@
                 <a:latin typeface="Calibri"/>
               </a:rPr>
               <a:t>quantity</a:t>
+            </a:r>
+            <a:r>
+              <a:rPr lang="it-IT" i="1" dirty="0">
+                <a:solidFill>
+                  <a:sysClr val="windowText" lastClr="000000"/>
+                </a:solidFill>
+                <a:latin typeface="Calibri"/>
+              </a:rPr>
+              <a:t>’</a:t>
             </a:r>
             <a:endParaRPr kumimoji="0" lang="it-IT" sz="1800" b="0" i="0" u="none" strike="noStrike" kern="1200" cap="none" spc="0" normalizeH="0" baseline="0" noProof="0" dirty="0">
               <a:ln>

--- a/Documentation/Project Presentation.pptx
+++ b/Documentation/Project Presentation.pptx
@@ -14967,6 +14967,35 @@
           <a:chExt cx="0" cy="0"/>
         </a:xfrm>
       </p:grpSpPr>
+      <p:pic>
+        <p:nvPicPr>
+          <p:cNvPr id="9" name="Immagine 8">
+            <a:extLst>
+              <a:ext uri="{FF2B5EF4-FFF2-40B4-BE49-F238E27FC236}">
+                <a16:creationId xmlns:a16="http://schemas.microsoft.com/office/drawing/2014/main" id="{789D4388-25DD-0F95-4D3A-B9FAF5E2F129}"/>
+              </a:ext>
+            </a:extLst>
+          </p:cNvPr>
+          <p:cNvPicPr>
+            <a:picLocks noChangeAspect="1"/>
+          </p:cNvPicPr>
+          <p:nvPr/>
+        </p:nvPicPr>
+        <p:blipFill rotWithShape="1">
+          <a:blip r:embed="rId2"/>
+          <a:srcRect t="17980"/>
+          <a:stretch/>
+        </p:blipFill>
+        <p:spPr>
+          <a:xfrm>
+            <a:off x="191101" y="679487"/>
+            <a:ext cx="7744585" cy="5499026"/>
+          </a:xfrm>
+          <a:prstGeom prst="rect">
+            <a:avLst/>
+          </a:prstGeom>
+        </p:spPr>
+      </p:pic>
       <p:sp>
         <p:nvSpPr>
           <p:cNvPr id="2" name="Titolo 1">
@@ -14983,7 +15012,12 @@
             <p:ph type="title"/>
           </p:nvPr>
         </p:nvSpPr>
-        <p:spPr/>
+        <p:spPr>
+          <a:xfrm>
+            <a:off x="191101" y="-146957"/>
+            <a:ext cx="8761797" cy="1143000"/>
+          </a:xfrm>
+        </p:spPr>
         <p:txBody>
           <a:bodyPr/>
           <a:lstStyle/>
@@ -14997,10 +15031,10 @@
       </p:sp>
       <p:pic>
         <p:nvPicPr>
-          <p:cNvPr id="3" name="Immagine 2">
+          <p:cNvPr id="5" name="Immagine 4">
             <a:extLst>
               <a:ext uri="{FF2B5EF4-FFF2-40B4-BE49-F238E27FC236}">
-                <a16:creationId xmlns:a16="http://schemas.microsoft.com/office/drawing/2014/main" id="{C5ED3B83-27D1-C167-4939-332D802525C4}"/>
+                <a16:creationId xmlns:a16="http://schemas.microsoft.com/office/drawing/2014/main" id="{5FF94EB3-36DB-891E-749A-AB117DC9DE00}"/>
               </a:ext>
             </a:extLst>
           </p:cNvPr>
@@ -15009,16 +15043,15 @@
           </p:cNvPicPr>
           <p:nvPr/>
         </p:nvPicPr>
-        <p:blipFill>
-          <a:blip r:embed="rId2"/>
-          <a:stretch>
-            <a:fillRect/>
-          </a:stretch>
+        <p:blipFill rotWithShape="1">
+          <a:blip r:embed="rId3"/>
+          <a:srcRect l="2220" r="72796" b="85183"/>
+          <a:stretch/>
         </p:blipFill>
         <p:spPr>
           <a:xfrm>
-            <a:off x="1208015" y="1048624"/>
-            <a:ext cx="6279770" cy="4841296"/>
+            <a:off x="5830680" y="4947556"/>
+            <a:ext cx="2105006" cy="1118036"/>
           </a:xfrm>
           <a:prstGeom prst="rect">
             <a:avLst/>
@@ -15114,7 +15147,7 @@
         </p:nvSpPr>
         <p:spPr>
           <a:xfrm>
-            <a:off x="397485" y="1642016"/>
+            <a:off x="397485" y="1372594"/>
             <a:ext cx="8349029" cy="5016718"/>
           </a:xfrm>
           <a:prstGeom prst="rect">
@@ -15560,7 +15593,7 @@
                 <a:cs typeface="Calibri"/>
                 <a:sym typeface="Calibri"/>
               </a:rPr>
-              <a:t>: Stats and rate of every player is retrieved at the end of every weekday from different sites. The statistics of the past weeks stays in the database and is calculated in form of average on a different variable.</a:t>
+              <a:t>: Stats and rate of every player is retrieved at the end of every matchday. The statistics of the past weeks stays in the database and from them the value of the players is calculated.</a:t>
             </a:r>
             <a:endParaRPr sz="2000" dirty="0">
               <a:solidFill>
@@ -15676,10 +15709,10 @@
       </p:sp>
       <p:pic>
         <p:nvPicPr>
-          <p:cNvPr id="6" name="Immagine 5">
+          <p:cNvPr id="3" name="Immagine 2">
             <a:extLst>
               <a:ext uri="{FF2B5EF4-FFF2-40B4-BE49-F238E27FC236}">
-                <a16:creationId xmlns:a16="http://schemas.microsoft.com/office/drawing/2014/main" id="{1BF943D8-B410-BDDB-1BA9-04A166690E68}"/>
+                <a16:creationId xmlns:a16="http://schemas.microsoft.com/office/drawing/2014/main" id="{7B11B980-5B6B-EBEF-33B5-8F908A4F9591}"/>
               </a:ext>
             </a:extLst>
           </p:cNvPr>
@@ -15696,8 +15729,8 @@
         </p:blipFill>
         <p:spPr>
           <a:xfrm>
-            <a:off x="2357334" y="1738079"/>
-            <a:ext cx="4429332" cy="3499288"/>
+            <a:off x="1485900" y="1687117"/>
+            <a:ext cx="6172200" cy="3483766"/>
           </a:xfrm>
           <a:prstGeom prst="rect">
             <a:avLst/>
@@ -16028,7 +16061,7 @@
                 <a:ea typeface="+mn-ea"/>
                 <a:cs typeface="+mn-cs"/>
               </a:rPr>
-              <a:t>, name, country, </a:t>
+              <a:t>, name, </a:t>
             </a:r>
             <a:r>
               <a:rPr kumimoji="0" lang="it-IT" sz="1800" b="0" i="0" u="none" strike="noStrike" kern="1200" cap="none" spc="0" normalizeH="0" baseline="0" noProof="0" dirty="0" err="1">
@@ -16045,7 +16078,7 @@
                 <a:ea typeface="+mn-ea"/>
                 <a:cs typeface="+mn-cs"/>
               </a:rPr>
-              <a:t>squad</a:t>
+              <a:t>region</a:t>
             </a:r>
             <a:r>
               <a:rPr kumimoji="0" lang="it-IT" sz="1800" b="0" i="0" u="none" strike="noStrike" kern="1200" cap="none" spc="0" normalizeH="0" baseline="0" noProof="0" dirty="0">
@@ -16062,7 +16095,7 @@
                 <a:ea typeface="+mn-ea"/>
                 <a:cs typeface="+mn-cs"/>
               </a:rPr>
-              <a:t>[], username, points, credits, etc..)</a:t>
+              <a:t>, lineups[], username, points, credits, etc..)</a:t>
             </a:r>
           </a:p>
           <a:p>
@@ -16331,7 +16364,43 @@
                 </a:solidFill>
                 <a:latin typeface="Calibri"/>
               </a:rPr>
-              <a:t>Trade (id, user, </a:t>
+              <a:t>Trade (id, </a:t>
+            </a:r>
+            <a:r>
+              <a:rPr lang="it-IT" dirty="0" err="1">
+                <a:solidFill>
+                  <a:sysClr val="windowText" lastClr="000000"/>
+                </a:solidFill>
+                <a:latin typeface="Calibri"/>
+              </a:rPr>
+              <a:t>user_from</a:t>
+            </a:r>
+            <a:r>
+              <a:rPr lang="it-IT" dirty="0">
+                <a:solidFill>
+                  <a:sysClr val="windowText" lastClr="000000"/>
+                </a:solidFill>
+                <a:latin typeface="Calibri"/>
+              </a:rPr>
+              <a:t>, </a:t>
+            </a:r>
+            <a:r>
+              <a:rPr lang="it-IT" dirty="0" err="1">
+                <a:solidFill>
+                  <a:sysClr val="windowText" lastClr="000000"/>
+                </a:solidFill>
+                <a:latin typeface="Calibri"/>
+              </a:rPr>
+              <a:t>user_to</a:t>
+            </a:r>
+            <a:r>
+              <a:rPr lang="it-IT" dirty="0">
+                <a:solidFill>
+                  <a:sysClr val="windowText" lastClr="000000"/>
+                </a:solidFill>
+                <a:latin typeface="Calibri"/>
+              </a:rPr>
+              <a:t>, </a:t>
             </a:r>
             <a:r>
               <a:rPr lang="it-IT" dirty="0" err="1">
@@ -16367,25 +16436,7 @@
                 </a:solidFill>
                 <a:latin typeface="Calibri"/>
               </a:rPr>
-              <a:t>[], credits, </a:t>
-            </a:r>
-            <a:r>
-              <a:rPr lang="it-IT" dirty="0" err="1">
-                <a:solidFill>
-                  <a:sysClr val="windowText" lastClr="000000"/>
-                </a:solidFill>
-                <a:latin typeface="Calibri"/>
-              </a:rPr>
-              <a:t>ts_creation</a:t>
-            </a:r>
-            <a:r>
-              <a:rPr lang="it-IT" dirty="0">
-                <a:solidFill>
-                  <a:sysClr val="windowText" lastClr="000000"/>
-                </a:solidFill>
-                <a:latin typeface="Calibri"/>
-              </a:rPr>
-              <a:t>)</a:t>
+              <a:t>[], credits, status, etc..)</a:t>
             </a:r>
             <a:endParaRPr kumimoji="0" lang="it-IT" sz="1800" b="0" i="0" u="none" strike="noStrike" kern="1200" cap="none" spc="0" normalizeH="0" baseline="0" noProof="0" dirty="0">
               <a:ln>
@@ -16695,7 +16746,7 @@
                 <a:ea typeface="+mn-ea"/>
                 <a:cs typeface="+mn-cs"/>
               </a:rPr>
-              <a:t>Retrieve </a:t>
+              <a:t>Retrieve a </a:t>
             </a:r>
             <a:r>
               <a:rPr lang="en-US" dirty="0">
@@ -16721,7 +16772,7 @@
                 <a:ea typeface="+mn-ea"/>
                 <a:cs typeface="+mn-cs"/>
               </a:rPr>
-              <a:t> information </a:t>
+              <a:t> </a:t>
             </a:r>
             <a:r>
               <a:rPr lang="en-US" dirty="0">
@@ -16952,7 +17003,7 @@
                 <a:ea typeface="+mn-ea"/>
                 <a:cs typeface="+mn-cs"/>
               </a:rPr>
-              <a:t>Best users ranking. (Globally or by </a:t>
+              <a:t>Check the</a:t>
             </a:r>
             <a:r>
               <a:rPr lang="en-US" dirty="0">
@@ -16961,24 +17012,7 @@
                 </a:solidFill>
                 <a:latin typeface="Calibri"/>
               </a:rPr>
-              <a:t>region</a:t>
-            </a:r>
-            <a:r>
-              <a:rPr kumimoji="0" lang="en-US" sz="1800" b="0" i="0" u="none" strike="noStrike" kern="1200" cap="none" spc="0" normalizeH="0" baseline="0" noProof="0" dirty="0">
-                <a:ln>
-                  <a:noFill/>
-                </a:ln>
-                <a:solidFill>
-                  <a:sysClr val="windowText" lastClr="000000"/>
-                </a:solidFill>
-                <a:effectLst/>
-                <a:uLnTx/>
-                <a:uFillTx/>
-                <a:latin typeface="Calibri"/>
-                <a:ea typeface="+mn-ea"/>
-                <a:cs typeface="+mn-cs"/>
-              </a:rPr>
-              <a:t>)</a:t>
+              <a:t> ranking by user’s region.</a:t>
             </a:r>
           </a:p>
           <a:p>
@@ -17000,55 +17034,36 @@
               <a:defRPr/>
             </a:pPr>
             <a:r>
-              <a:rPr kumimoji="0" lang="en-US" sz="1800" b="0" i="0" u="none" strike="noStrike" kern="1200" cap="none" spc="0" normalizeH="0" baseline="0" noProof="0" dirty="0">
-                <a:ln>
-                  <a:noFill/>
-                </a:ln>
-                <a:solidFill>
-                  <a:sysClr val="windowText" lastClr="000000"/>
-                </a:solidFill>
-                <a:effectLst/>
-                <a:uLnTx/>
-                <a:uFillTx/>
-                <a:latin typeface="Calibri"/>
-                <a:ea typeface="+mn-ea"/>
-                <a:cs typeface="+mn-cs"/>
+              <a:rPr lang="en-US" dirty="0">
+                <a:latin typeface="Calibri"/>
               </a:rPr>
-              <a:t>Checking the evolution of </a:t>
+              <a:t>Check the best players by statistic and by </a:t>
+            </a:r>
+            <a:r>
+              <a:rPr lang="en-US" i="1" dirty="0">
+                <a:latin typeface="Calibri"/>
+              </a:rPr>
+              <a:t>Serie A</a:t>
             </a:r>
             <a:r>
               <a:rPr lang="en-US" dirty="0">
-                <a:solidFill>
-                  <a:sysClr val="windowText" lastClr="000000"/>
-                </a:solidFill>
                 <a:latin typeface="Calibri"/>
               </a:rPr>
-              <a:t>a specific statistic of a player. (Goals, assist, dribbling, etc..)</a:t>
+              <a:t> team.</a:t>
             </a:r>
           </a:p>
           <a:p>
-            <a:pPr marL="742950" marR="0" lvl="1" indent="-285750" algn="l" defTabSz="457200" rtl="0" eaLnBrk="1" fontAlgn="auto" latinLnBrk="0" hangingPunct="1">
-              <a:lnSpc>
-                <a:spcPct val="100000"/>
-              </a:lnSpc>
-              <a:spcBef>
-                <a:spcPts val="0"/>
-              </a:spcBef>
-              <a:spcAft>
-                <a:spcPts val="0"/>
-              </a:spcAft>
+            <a:pPr marL="742950" lvl="1" indent="-285750">
               <a:buClrTx/>
-              <a:buSzTx/>
               <a:buFont typeface="Arial" panose="020B0604020202020204" pitchFamily="34" charset="0"/>
               <a:buChar char="•"/>
-              <a:tabLst/>
               <a:defRPr/>
             </a:pPr>
             <a:r>
               <a:rPr lang="en-US" dirty="0">
                 <a:latin typeface="Calibri"/>
               </a:rPr>
-              <a:t>Check the best players by Serie A team.</a:t>
+              <a:t>Check the most present players in completed trades.</a:t>
             </a:r>
           </a:p>
           <a:p>
@@ -17571,7 +17586,7 @@
               <a:t>role</a:t>
             </a:r>
             <a:r>
-              <a:rPr kumimoji="0" lang="it-IT" sz="1800" b="0" i="0" u="none" strike="noStrike" kern="1200" cap="none" spc="0" normalizeH="0" baseline="0" noProof="0" dirty="0">
+              <a:rPr kumimoji="0" lang="it-IT" sz="1800" b="0" i="1" u="none" strike="noStrike" kern="1200" cap="none" spc="0" normalizeH="0" baseline="0" noProof="0" dirty="0">
                 <a:ln>
                   <a:noFill/>
                 </a:ln>
